--- a/codes/pptx/조직도_박스형태.pptx
+++ b/codes/pptx/조직도_박스형태.pptx
@@ -5,9 +5,9 @@
     <p:sldMasterId id="2147483648" r:id="rId1"/>
   </p:sldMasterIdLst>
   <p:sldIdLst>
-    <p:sldId id="256" r:id="rId2"/>
+    <p:sldId id="256" r:id="rId7"/>
   </p:sldIdLst>
-  <p:sldSz cx="12192000" cy="6858000"/>
+  <p:sldSz cx="9144000" cy="6858000" type="screen4x3"/>
   <p:notesSz cx="6858000" cy="9144000"/>
   <p:defaultTextStyle>
     <a:defPPr>
@@ -104,22 +104,6 @@
       </a:defRPr>
     </a:lvl9pPr>
   </p:defaultTextStyle>
-  <p:extLst>
-    <p:ext uri="{EFAFB233-063F-42B5-8137-9DF3F51BA10A}">
-      <p15:sldGuideLst xmlns:p15="http://schemas.microsoft.com/office/powerpoint/2012/main">
-        <p15:guide id="1" orient="horz" pos="2160" userDrawn="1">
-          <p15:clr>
-            <a:srgbClr val="A4A3A4"/>
-          </p15:clr>
-        </p15:guide>
-        <p15:guide id="2" pos="3840" userDrawn="1">
-          <p15:clr>
-            <a:srgbClr val="A4A3A4"/>
-          </p15:clr>
-        </p15:guide>
-      </p15:sldGuideLst>
-    </p:ext>
-  </p:extLst>
 </p:presentation>
 </file>
 
@@ -152,8 +136,8 @@
         </p:nvSpPr>
         <p:spPr>
           <a:xfrm>
-            <a:off x="914400" y="2130426"/>
-            <a:ext cx="10363200" cy="1470025"/>
+            <a:off x="685800" y="2130425"/>
+            <a:ext cx="7772400" cy="1470025"/>
           </a:xfrm>
         </p:spPr>
         <p:txBody>
@@ -161,9 +145,10 @@
           <a:lstStyle/>
           <a:p>
             <a:r>
-              <a:rPr lang="en-US"/>
+              <a:rPr lang="en-US" smtClean="0"/>
               <a:t>Click to edit Master title style</a:t>
             </a:r>
+            <a:endParaRPr lang="en-US"/>
           </a:p>
         </p:txBody>
       </p:sp>
@@ -179,8 +164,8 @@
         </p:nvSpPr>
         <p:spPr>
           <a:xfrm>
-            <a:off x="1828800" y="3886200"/>
-            <a:ext cx="8534400" cy="1752600"/>
+            <a:off x="1371600" y="3886200"/>
+            <a:ext cx="6400800" cy="1752600"/>
           </a:xfrm>
         </p:spPr>
         <p:txBody>
@@ -279,9 +264,10 @@
           </a:lstStyle>
           <a:p>
             <a:r>
-              <a:rPr lang="en-US"/>
+              <a:rPr lang="en-US" smtClean="0"/>
               <a:t>Click to edit Master subtitle style</a:t>
             </a:r>
+            <a:endParaRPr lang="en-US"/>
           </a:p>
         </p:txBody>
       </p:sp>
@@ -302,7 +288,7 @@
           <a:p>
             <a:fld id="{5BCAD085-E8A6-8845-BD4E-CB4CCA059FC4}" type="datetimeFigureOut">
               <a:rPr lang="en-US" smtClean="0"/>
-              <a:t>2/23/25</a:t>
+              <a:t>1/27/13</a:t>
             </a:fld>
             <a:endParaRPr lang="en-US"/>
           </a:p>
@@ -396,9 +382,10 @@
           <a:lstStyle/>
           <a:p>
             <a:r>
-              <a:rPr lang="en-US"/>
+              <a:rPr lang="en-US" smtClean="0"/>
               <a:t>Click to edit Master title style</a:t>
             </a:r>
+            <a:endParaRPr lang="en-US"/>
           </a:p>
         </p:txBody>
       </p:sp>
@@ -419,37 +406,38 @@
           <a:p>
             <a:pPr lvl="0"/>
             <a:r>
-              <a:rPr lang="en-US"/>
+              <a:rPr lang="en-US" smtClean="0"/>
               <a:t>Click to edit Master text styles</a:t>
             </a:r>
           </a:p>
           <a:p>
             <a:pPr lvl="1"/>
             <a:r>
-              <a:rPr lang="en-US"/>
+              <a:rPr lang="en-US" smtClean="0"/>
               <a:t>Second level</a:t>
             </a:r>
           </a:p>
           <a:p>
             <a:pPr lvl="2"/>
             <a:r>
-              <a:rPr lang="en-US"/>
+              <a:rPr lang="en-US" smtClean="0"/>
               <a:t>Third level</a:t>
             </a:r>
           </a:p>
           <a:p>
             <a:pPr lvl="3"/>
             <a:r>
-              <a:rPr lang="en-US"/>
+              <a:rPr lang="en-US" smtClean="0"/>
               <a:t>Fourth level</a:t>
             </a:r>
           </a:p>
           <a:p>
             <a:pPr lvl="4"/>
             <a:r>
-              <a:rPr lang="en-US"/>
+              <a:rPr lang="en-US" smtClean="0"/>
               <a:t>Fifth level</a:t>
             </a:r>
+            <a:endParaRPr lang="en-US"/>
           </a:p>
         </p:txBody>
       </p:sp>
@@ -470,7 +458,7 @@
           <a:p>
             <a:fld id="{5BCAD085-E8A6-8845-BD4E-CB4CCA059FC4}" type="datetimeFigureOut">
               <a:rPr lang="en-US" smtClean="0"/>
-              <a:t>2/23/25</a:t>
+              <a:t>1/27/13</a:t>
             </a:fld>
             <a:endParaRPr lang="en-US"/>
           </a:p>
@@ -560,8 +548,8 @@
         </p:nvSpPr>
         <p:spPr>
           <a:xfrm>
-            <a:off x="8839200" y="274639"/>
-            <a:ext cx="2743200" cy="5851525"/>
+            <a:off x="6629400" y="274638"/>
+            <a:ext cx="2057400" cy="5851525"/>
           </a:xfrm>
         </p:spPr>
         <p:txBody>
@@ -569,9 +557,10 @@
           <a:lstStyle/>
           <a:p>
             <a:r>
-              <a:rPr lang="en-US"/>
+              <a:rPr lang="en-US" smtClean="0"/>
               <a:t>Click to edit Master title style</a:t>
             </a:r>
+            <a:endParaRPr lang="en-US"/>
           </a:p>
         </p:txBody>
       </p:sp>
@@ -587,8 +576,8 @@
         </p:nvSpPr>
         <p:spPr>
           <a:xfrm>
-            <a:off x="609600" y="274639"/>
-            <a:ext cx="8026400" cy="5851525"/>
+            <a:off x="457200" y="274638"/>
+            <a:ext cx="6019800" cy="5851525"/>
           </a:xfrm>
         </p:spPr>
         <p:txBody>
@@ -597,37 +586,38 @@
           <a:p>
             <a:pPr lvl="0"/>
             <a:r>
-              <a:rPr lang="en-US"/>
+              <a:rPr lang="en-US" smtClean="0"/>
               <a:t>Click to edit Master text styles</a:t>
             </a:r>
           </a:p>
           <a:p>
             <a:pPr lvl="1"/>
             <a:r>
-              <a:rPr lang="en-US"/>
+              <a:rPr lang="en-US" smtClean="0"/>
               <a:t>Second level</a:t>
             </a:r>
           </a:p>
           <a:p>
             <a:pPr lvl="2"/>
             <a:r>
-              <a:rPr lang="en-US"/>
+              <a:rPr lang="en-US" smtClean="0"/>
               <a:t>Third level</a:t>
             </a:r>
           </a:p>
           <a:p>
             <a:pPr lvl="3"/>
             <a:r>
-              <a:rPr lang="en-US"/>
+              <a:rPr lang="en-US" smtClean="0"/>
               <a:t>Fourth level</a:t>
             </a:r>
           </a:p>
           <a:p>
             <a:pPr lvl="4"/>
             <a:r>
-              <a:rPr lang="en-US"/>
+              <a:rPr lang="en-US" smtClean="0"/>
               <a:t>Fifth level</a:t>
             </a:r>
+            <a:endParaRPr lang="en-US"/>
           </a:p>
         </p:txBody>
       </p:sp>
@@ -648,7 +638,7 @@
           <a:p>
             <a:fld id="{5BCAD085-E8A6-8845-BD4E-CB4CCA059FC4}" type="datetimeFigureOut">
               <a:rPr lang="en-US" smtClean="0"/>
-              <a:t>2/23/25</a:t>
+              <a:t>1/27/13</a:t>
             </a:fld>
             <a:endParaRPr lang="en-US"/>
           </a:p>
@@ -742,9 +732,10 @@
           <a:lstStyle/>
           <a:p>
             <a:r>
-              <a:rPr lang="en-US"/>
+              <a:rPr lang="en-US" smtClean="0"/>
               <a:t>Click to edit Master title style</a:t>
             </a:r>
+            <a:endParaRPr lang="en-US"/>
           </a:p>
         </p:txBody>
       </p:sp>
@@ -765,37 +756,38 @@
           <a:p>
             <a:pPr lvl="0"/>
             <a:r>
-              <a:rPr lang="en-US"/>
+              <a:rPr lang="en-US" smtClean="0"/>
               <a:t>Click to edit Master text styles</a:t>
             </a:r>
           </a:p>
           <a:p>
             <a:pPr lvl="1"/>
             <a:r>
-              <a:rPr lang="en-US"/>
+              <a:rPr lang="en-US" smtClean="0"/>
               <a:t>Second level</a:t>
             </a:r>
           </a:p>
           <a:p>
             <a:pPr lvl="2"/>
             <a:r>
-              <a:rPr lang="en-US"/>
+              <a:rPr lang="en-US" smtClean="0"/>
               <a:t>Third level</a:t>
             </a:r>
           </a:p>
           <a:p>
             <a:pPr lvl="3"/>
             <a:r>
-              <a:rPr lang="en-US"/>
+              <a:rPr lang="en-US" smtClean="0"/>
               <a:t>Fourth level</a:t>
             </a:r>
           </a:p>
           <a:p>
             <a:pPr lvl="4"/>
             <a:r>
-              <a:rPr lang="en-US"/>
+              <a:rPr lang="en-US" smtClean="0"/>
               <a:t>Fifth level</a:t>
             </a:r>
+            <a:endParaRPr lang="en-US"/>
           </a:p>
         </p:txBody>
       </p:sp>
@@ -816,7 +808,7 @@
           <a:p>
             <a:fld id="{5BCAD085-E8A6-8845-BD4E-CB4CCA059FC4}" type="datetimeFigureOut">
               <a:rPr lang="en-US" smtClean="0"/>
-              <a:t>2/23/25</a:t>
+              <a:t>1/27/13</a:t>
             </a:fld>
             <a:endParaRPr lang="en-US"/>
           </a:p>
@@ -906,8 +898,8 @@
         </p:nvSpPr>
         <p:spPr>
           <a:xfrm>
-            <a:off x="963084" y="4406901"/>
-            <a:ext cx="10363200" cy="1362075"/>
+            <a:off x="722313" y="4406900"/>
+            <a:ext cx="7772400" cy="1362075"/>
           </a:xfrm>
         </p:spPr>
         <p:txBody>
@@ -919,9 +911,10 @@
           </a:lstStyle>
           <a:p>
             <a:r>
-              <a:rPr lang="en-US"/>
+              <a:rPr lang="en-US" smtClean="0"/>
               <a:t>Click to edit Master title style</a:t>
             </a:r>
+            <a:endParaRPr lang="en-US"/>
           </a:p>
         </p:txBody>
       </p:sp>
@@ -937,8 +930,8 @@
         </p:nvSpPr>
         <p:spPr>
           <a:xfrm>
-            <a:off x="963084" y="2906713"/>
-            <a:ext cx="10363200" cy="1500187"/>
+            <a:off x="722313" y="2906713"/>
+            <a:ext cx="7772400" cy="1500187"/>
           </a:xfrm>
         </p:spPr>
         <p:txBody>
@@ -1038,7 +1031,7 @@
           <a:p>
             <a:pPr lvl="0"/>
             <a:r>
-              <a:rPr lang="en-US"/>
+              <a:rPr lang="en-US" smtClean="0"/>
               <a:t>Click to edit Master text styles</a:t>
             </a:r>
           </a:p>
@@ -1061,7 +1054,7 @@
           <a:p>
             <a:fld id="{5BCAD085-E8A6-8845-BD4E-CB4CCA059FC4}" type="datetimeFigureOut">
               <a:rPr lang="en-US" smtClean="0"/>
-              <a:t>2/23/25</a:t>
+              <a:t>1/27/13</a:t>
             </a:fld>
             <a:endParaRPr lang="en-US"/>
           </a:p>
@@ -1155,9 +1148,10 @@
           <a:lstStyle/>
           <a:p>
             <a:r>
-              <a:rPr lang="en-US"/>
+              <a:rPr lang="en-US" smtClean="0"/>
               <a:t>Click to edit Master title style</a:t>
             </a:r>
+            <a:endParaRPr lang="en-US"/>
           </a:p>
         </p:txBody>
       </p:sp>
@@ -1173,8 +1167,8 @@
         </p:nvSpPr>
         <p:spPr>
           <a:xfrm>
-            <a:off x="609600" y="1600201"/>
-            <a:ext cx="5384800" cy="4525963"/>
+            <a:off x="457200" y="1600200"/>
+            <a:ext cx="4038600" cy="4525963"/>
           </a:xfrm>
         </p:spPr>
         <p:txBody>
@@ -1211,37 +1205,38 @@
           <a:p>
             <a:pPr lvl="0"/>
             <a:r>
-              <a:rPr lang="en-US"/>
+              <a:rPr lang="en-US" smtClean="0"/>
               <a:t>Click to edit Master text styles</a:t>
             </a:r>
           </a:p>
           <a:p>
             <a:pPr lvl="1"/>
             <a:r>
-              <a:rPr lang="en-US"/>
+              <a:rPr lang="en-US" smtClean="0"/>
               <a:t>Second level</a:t>
             </a:r>
           </a:p>
           <a:p>
             <a:pPr lvl="2"/>
             <a:r>
-              <a:rPr lang="en-US"/>
+              <a:rPr lang="en-US" smtClean="0"/>
               <a:t>Third level</a:t>
             </a:r>
           </a:p>
           <a:p>
             <a:pPr lvl="3"/>
             <a:r>
-              <a:rPr lang="en-US"/>
+              <a:rPr lang="en-US" smtClean="0"/>
               <a:t>Fourth level</a:t>
             </a:r>
           </a:p>
           <a:p>
             <a:pPr lvl="4"/>
             <a:r>
-              <a:rPr lang="en-US"/>
+              <a:rPr lang="en-US" smtClean="0"/>
               <a:t>Fifth level</a:t>
             </a:r>
+            <a:endParaRPr lang="en-US"/>
           </a:p>
         </p:txBody>
       </p:sp>
@@ -1257,8 +1252,8 @@
         </p:nvSpPr>
         <p:spPr>
           <a:xfrm>
-            <a:off x="6197600" y="1600201"/>
-            <a:ext cx="5384800" cy="4525963"/>
+            <a:off x="4648200" y="1600200"/>
+            <a:ext cx="4038600" cy="4525963"/>
           </a:xfrm>
         </p:spPr>
         <p:txBody>
@@ -1295,37 +1290,38 @@
           <a:p>
             <a:pPr lvl="0"/>
             <a:r>
-              <a:rPr lang="en-US"/>
+              <a:rPr lang="en-US" smtClean="0"/>
               <a:t>Click to edit Master text styles</a:t>
             </a:r>
           </a:p>
           <a:p>
             <a:pPr lvl="1"/>
             <a:r>
-              <a:rPr lang="en-US"/>
+              <a:rPr lang="en-US" smtClean="0"/>
               <a:t>Second level</a:t>
             </a:r>
           </a:p>
           <a:p>
             <a:pPr lvl="2"/>
             <a:r>
-              <a:rPr lang="en-US"/>
+              <a:rPr lang="en-US" smtClean="0"/>
               <a:t>Third level</a:t>
             </a:r>
           </a:p>
           <a:p>
             <a:pPr lvl="3"/>
             <a:r>
-              <a:rPr lang="en-US"/>
+              <a:rPr lang="en-US" smtClean="0"/>
               <a:t>Fourth level</a:t>
             </a:r>
           </a:p>
           <a:p>
             <a:pPr lvl="4"/>
             <a:r>
-              <a:rPr lang="en-US"/>
+              <a:rPr lang="en-US" smtClean="0"/>
               <a:t>Fifth level</a:t>
             </a:r>
+            <a:endParaRPr lang="en-US"/>
           </a:p>
         </p:txBody>
       </p:sp>
@@ -1346,7 +1342,7 @@
           <a:p>
             <a:fld id="{5BCAD085-E8A6-8845-BD4E-CB4CCA059FC4}" type="datetimeFigureOut">
               <a:rPr lang="en-US" smtClean="0"/>
-              <a:t>2/23/25</a:t>
+              <a:t>1/27/13</a:t>
             </a:fld>
             <a:endParaRPr lang="en-US"/>
           </a:p>
@@ -1444,9 +1440,10 @@
           </a:lstStyle>
           <a:p>
             <a:r>
-              <a:rPr lang="en-US"/>
+              <a:rPr lang="en-US" smtClean="0"/>
               <a:t>Click to edit Master title style</a:t>
             </a:r>
+            <a:endParaRPr lang="en-US"/>
           </a:p>
         </p:txBody>
       </p:sp>
@@ -1462,8 +1459,8 @@
         </p:nvSpPr>
         <p:spPr>
           <a:xfrm>
-            <a:off x="609600" y="1535113"/>
-            <a:ext cx="5386917" cy="639762"/>
+            <a:off x="457200" y="1535113"/>
+            <a:ext cx="4040188" cy="639762"/>
           </a:xfrm>
         </p:spPr>
         <p:txBody>
@@ -1509,7 +1506,7 @@
           <a:p>
             <a:pPr lvl="0"/>
             <a:r>
-              <a:rPr lang="en-US"/>
+              <a:rPr lang="en-US" smtClean="0"/>
               <a:t>Click to edit Master text styles</a:t>
             </a:r>
           </a:p>
@@ -1527,8 +1524,8 @@
         </p:nvSpPr>
         <p:spPr>
           <a:xfrm>
-            <a:off x="609600" y="2174875"/>
-            <a:ext cx="5386917" cy="3951288"/>
+            <a:off x="457200" y="2174875"/>
+            <a:ext cx="4040188" cy="3951288"/>
           </a:xfrm>
         </p:spPr>
         <p:txBody>
@@ -1565,37 +1562,38 @@
           <a:p>
             <a:pPr lvl="0"/>
             <a:r>
-              <a:rPr lang="en-US"/>
+              <a:rPr lang="en-US" smtClean="0"/>
               <a:t>Click to edit Master text styles</a:t>
             </a:r>
           </a:p>
           <a:p>
             <a:pPr lvl="1"/>
             <a:r>
-              <a:rPr lang="en-US"/>
+              <a:rPr lang="en-US" smtClean="0"/>
               <a:t>Second level</a:t>
             </a:r>
           </a:p>
           <a:p>
             <a:pPr lvl="2"/>
             <a:r>
-              <a:rPr lang="en-US"/>
+              <a:rPr lang="en-US" smtClean="0"/>
               <a:t>Third level</a:t>
             </a:r>
           </a:p>
           <a:p>
             <a:pPr lvl="3"/>
             <a:r>
-              <a:rPr lang="en-US"/>
+              <a:rPr lang="en-US" smtClean="0"/>
               <a:t>Fourth level</a:t>
             </a:r>
           </a:p>
           <a:p>
             <a:pPr lvl="4"/>
             <a:r>
-              <a:rPr lang="en-US"/>
+              <a:rPr lang="en-US" smtClean="0"/>
               <a:t>Fifth level</a:t>
             </a:r>
+            <a:endParaRPr lang="en-US"/>
           </a:p>
         </p:txBody>
       </p:sp>
@@ -1611,8 +1609,8 @@
         </p:nvSpPr>
         <p:spPr>
           <a:xfrm>
-            <a:off x="6193368" y="1535113"/>
-            <a:ext cx="5389033" cy="639762"/>
+            <a:off x="4645025" y="1535113"/>
+            <a:ext cx="4041775" cy="639762"/>
           </a:xfrm>
         </p:spPr>
         <p:txBody>
@@ -1658,7 +1656,7 @@
           <a:p>
             <a:pPr lvl="0"/>
             <a:r>
-              <a:rPr lang="en-US"/>
+              <a:rPr lang="en-US" smtClean="0"/>
               <a:t>Click to edit Master text styles</a:t>
             </a:r>
           </a:p>
@@ -1676,8 +1674,8 @@
         </p:nvSpPr>
         <p:spPr>
           <a:xfrm>
-            <a:off x="6193368" y="2174875"/>
-            <a:ext cx="5389033" cy="3951288"/>
+            <a:off x="4645025" y="2174875"/>
+            <a:ext cx="4041775" cy="3951288"/>
           </a:xfrm>
         </p:spPr>
         <p:txBody>
@@ -1714,37 +1712,38 @@
           <a:p>
             <a:pPr lvl="0"/>
             <a:r>
-              <a:rPr lang="en-US"/>
+              <a:rPr lang="en-US" smtClean="0"/>
               <a:t>Click to edit Master text styles</a:t>
             </a:r>
           </a:p>
           <a:p>
             <a:pPr lvl="1"/>
             <a:r>
-              <a:rPr lang="en-US"/>
+              <a:rPr lang="en-US" smtClean="0"/>
               <a:t>Second level</a:t>
             </a:r>
           </a:p>
           <a:p>
             <a:pPr lvl="2"/>
             <a:r>
-              <a:rPr lang="en-US"/>
+              <a:rPr lang="en-US" smtClean="0"/>
               <a:t>Third level</a:t>
             </a:r>
           </a:p>
           <a:p>
             <a:pPr lvl="3"/>
             <a:r>
-              <a:rPr lang="en-US"/>
+              <a:rPr lang="en-US" smtClean="0"/>
               <a:t>Fourth level</a:t>
             </a:r>
           </a:p>
           <a:p>
             <a:pPr lvl="4"/>
             <a:r>
-              <a:rPr lang="en-US"/>
+              <a:rPr lang="en-US" smtClean="0"/>
               <a:t>Fifth level</a:t>
             </a:r>
+            <a:endParaRPr lang="en-US"/>
           </a:p>
         </p:txBody>
       </p:sp>
@@ -1765,7 +1764,7 @@
           <a:p>
             <a:fld id="{5BCAD085-E8A6-8845-BD4E-CB4CCA059FC4}" type="datetimeFigureOut">
               <a:rPr lang="en-US" smtClean="0"/>
-              <a:t>2/23/25</a:t>
+              <a:t>1/27/13</a:t>
             </a:fld>
             <a:endParaRPr lang="en-US"/>
           </a:p>
@@ -1859,9 +1858,10 @@
           <a:lstStyle/>
           <a:p>
             <a:r>
-              <a:rPr lang="en-US"/>
+              <a:rPr lang="en-US" smtClean="0"/>
               <a:t>Click to edit Master title style</a:t>
             </a:r>
+            <a:endParaRPr lang="en-US"/>
           </a:p>
         </p:txBody>
       </p:sp>
@@ -1882,7 +1882,7 @@
           <a:p>
             <a:fld id="{5BCAD085-E8A6-8845-BD4E-CB4CCA059FC4}" type="datetimeFigureOut">
               <a:rPr lang="en-US" smtClean="0"/>
-              <a:t>2/23/25</a:t>
+              <a:t>1/27/13</a:t>
             </a:fld>
             <a:endParaRPr lang="en-US"/>
           </a:p>
@@ -1977,7 +1977,7 @@
           <a:p>
             <a:fld id="{5BCAD085-E8A6-8845-BD4E-CB4CCA059FC4}" type="datetimeFigureOut">
               <a:rPr lang="en-US" smtClean="0"/>
-              <a:t>2/23/25</a:t>
+              <a:t>1/27/13</a:t>
             </a:fld>
             <a:endParaRPr lang="en-US"/>
           </a:p>
@@ -2067,8 +2067,8 @@
         </p:nvSpPr>
         <p:spPr>
           <a:xfrm>
-            <a:off x="609601" y="273050"/>
-            <a:ext cx="4011084" cy="1162050"/>
+            <a:off x="457200" y="273050"/>
+            <a:ext cx="3008313" cy="1162050"/>
           </a:xfrm>
         </p:spPr>
         <p:txBody>
@@ -2080,9 +2080,10 @@
           </a:lstStyle>
           <a:p>
             <a:r>
-              <a:rPr lang="en-US"/>
+              <a:rPr lang="en-US" smtClean="0"/>
               <a:t>Click to edit Master title style</a:t>
             </a:r>
+            <a:endParaRPr lang="en-US"/>
           </a:p>
         </p:txBody>
       </p:sp>
@@ -2098,8 +2099,8 @@
         </p:nvSpPr>
         <p:spPr>
           <a:xfrm>
-            <a:off x="4766733" y="273051"/>
-            <a:ext cx="6815667" cy="5853113"/>
+            <a:off x="3575050" y="273050"/>
+            <a:ext cx="5111750" cy="5853113"/>
           </a:xfrm>
         </p:spPr>
         <p:txBody>
@@ -2136,37 +2137,38 @@
           <a:p>
             <a:pPr lvl="0"/>
             <a:r>
-              <a:rPr lang="en-US"/>
+              <a:rPr lang="en-US" smtClean="0"/>
               <a:t>Click to edit Master text styles</a:t>
             </a:r>
           </a:p>
           <a:p>
             <a:pPr lvl="1"/>
             <a:r>
-              <a:rPr lang="en-US"/>
+              <a:rPr lang="en-US" smtClean="0"/>
               <a:t>Second level</a:t>
             </a:r>
           </a:p>
           <a:p>
             <a:pPr lvl="2"/>
             <a:r>
-              <a:rPr lang="en-US"/>
+              <a:rPr lang="en-US" smtClean="0"/>
               <a:t>Third level</a:t>
             </a:r>
           </a:p>
           <a:p>
             <a:pPr lvl="3"/>
             <a:r>
-              <a:rPr lang="en-US"/>
+              <a:rPr lang="en-US" smtClean="0"/>
               <a:t>Fourth level</a:t>
             </a:r>
           </a:p>
           <a:p>
             <a:pPr lvl="4"/>
             <a:r>
-              <a:rPr lang="en-US"/>
+              <a:rPr lang="en-US" smtClean="0"/>
               <a:t>Fifth level</a:t>
             </a:r>
+            <a:endParaRPr lang="en-US"/>
           </a:p>
         </p:txBody>
       </p:sp>
@@ -2182,8 +2184,8 @@
         </p:nvSpPr>
         <p:spPr>
           <a:xfrm>
-            <a:off x="609601" y="1435101"/>
-            <a:ext cx="4011084" cy="4691063"/>
+            <a:off x="457200" y="1435100"/>
+            <a:ext cx="3008313" cy="4691063"/>
           </a:xfrm>
         </p:spPr>
         <p:txBody>
@@ -2229,7 +2231,7 @@
           <a:p>
             <a:pPr lvl="0"/>
             <a:r>
-              <a:rPr lang="en-US"/>
+              <a:rPr lang="en-US" smtClean="0"/>
               <a:t>Click to edit Master text styles</a:t>
             </a:r>
           </a:p>
@@ -2252,7 +2254,7 @@
           <a:p>
             <a:fld id="{5BCAD085-E8A6-8845-BD4E-CB4CCA059FC4}" type="datetimeFigureOut">
               <a:rPr lang="en-US" smtClean="0"/>
-              <a:t>2/23/25</a:t>
+              <a:t>1/27/13</a:t>
             </a:fld>
             <a:endParaRPr lang="en-US"/>
           </a:p>
@@ -2342,8 +2344,8 @@
         </p:nvSpPr>
         <p:spPr>
           <a:xfrm>
-            <a:off x="2389717" y="4800600"/>
-            <a:ext cx="7315200" cy="566738"/>
+            <a:off x="1792288" y="4800600"/>
+            <a:ext cx="5486400" cy="566738"/>
           </a:xfrm>
         </p:spPr>
         <p:txBody>
@@ -2355,9 +2357,10 @@
           </a:lstStyle>
           <a:p>
             <a:r>
-              <a:rPr lang="en-US"/>
+              <a:rPr lang="en-US" smtClean="0"/>
               <a:t>Click to edit Master title style</a:t>
             </a:r>
+            <a:endParaRPr lang="en-US"/>
           </a:p>
         </p:txBody>
       </p:sp>
@@ -2373,8 +2376,8 @@
         </p:nvSpPr>
         <p:spPr>
           <a:xfrm>
-            <a:off x="2389717" y="612775"/>
-            <a:ext cx="7315200" cy="4114800"/>
+            <a:off x="1792288" y="612775"/>
+            <a:ext cx="5486400" cy="4114800"/>
           </a:xfrm>
         </p:spPr>
         <p:txBody>
@@ -2434,8 +2437,8 @@
         </p:nvSpPr>
         <p:spPr>
           <a:xfrm>
-            <a:off x="2389717" y="5367338"/>
-            <a:ext cx="7315200" cy="804862"/>
+            <a:off x="1792288" y="5367338"/>
+            <a:ext cx="5486400" cy="804862"/>
           </a:xfrm>
         </p:spPr>
         <p:txBody>
@@ -2481,7 +2484,7 @@
           <a:p>
             <a:pPr lvl="0"/>
             <a:r>
-              <a:rPr lang="en-US"/>
+              <a:rPr lang="en-US" smtClean="0"/>
               <a:t>Click to edit Master text styles</a:t>
             </a:r>
           </a:p>
@@ -2504,7 +2507,7 @@
           <a:p>
             <a:fld id="{5BCAD085-E8A6-8845-BD4E-CB4CCA059FC4}" type="datetimeFigureOut">
               <a:rPr lang="en-US" smtClean="0"/>
-              <a:t>2/23/25</a:t>
+              <a:t>1/27/13</a:t>
             </a:fld>
             <a:endParaRPr lang="en-US"/>
           </a:p>
@@ -2599,8 +2602,8 @@
         </p:nvSpPr>
         <p:spPr>
           <a:xfrm>
-            <a:off x="609600" y="274638"/>
-            <a:ext cx="10972800" cy="1143000"/>
+            <a:off x="457200" y="274638"/>
+            <a:ext cx="8229600" cy="1143000"/>
           </a:xfrm>
           <a:prstGeom prst="rect">
             <a:avLst/>
@@ -2613,9 +2616,10 @@
           <a:lstStyle/>
           <a:p>
             <a:r>
-              <a:rPr lang="en-US"/>
+              <a:rPr lang="en-US" smtClean="0"/>
               <a:t>Click to edit Master title style</a:t>
             </a:r>
+            <a:endParaRPr lang="en-US"/>
           </a:p>
         </p:txBody>
       </p:sp>
@@ -2631,8 +2635,8 @@
         </p:nvSpPr>
         <p:spPr>
           <a:xfrm>
-            <a:off x="609600" y="1600201"/>
-            <a:ext cx="10972800" cy="4525963"/>
+            <a:off x="457200" y="1600200"/>
+            <a:ext cx="8229600" cy="4525963"/>
           </a:xfrm>
           <a:prstGeom prst="rect">
             <a:avLst/>
@@ -2646,37 +2650,38 @@
           <a:p>
             <a:pPr lvl="0"/>
             <a:r>
-              <a:rPr lang="en-US"/>
+              <a:rPr lang="en-US" smtClean="0"/>
               <a:t>Click to edit Master text styles</a:t>
             </a:r>
           </a:p>
           <a:p>
             <a:pPr lvl="1"/>
             <a:r>
-              <a:rPr lang="en-US"/>
+              <a:rPr lang="en-US" smtClean="0"/>
               <a:t>Second level</a:t>
             </a:r>
           </a:p>
           <a:p>
             <a:pPr lvl="2"/>
             <a:r>
-              <a:rPr lang="en-US"/>
+              <a:rPr lang="en-US" smtClean="0"/>
               <a:t>Third level</a:t>
             </a:r>
           </a:p>
           <a:p>
             <a:pPr lvl="3"/>
             <a:r>
-              <a:rPr lang="en-US"/>
+              <a:rPr lang="en-US" smtClean="0"/>
               <a:t>Fourth level</a:t>
             </a:r>
           </a:p>
           <a:p>
             <a:pPr lvl="4"/>
             <a:r>
-              <a:rPr lang="en-US"/>
+              <a:rPr lang="en-US" smtClean="0"/>
               <a:t>Fifth level</a:t>
             </a:r>
+            <a:endParaRPr lang="en-US"/>
           </a:p>
         </p:txBody>
       </p:sp>
@@ -2692,8 +2697,8 @@
         </p:nvSpPr>
         <p:spPr>
           <a:xfrm>
-            <a:off x="609600" y="6356351"/>
-            <a:ext cx="2844800" cy="365125"/>
+            <a:off x="457200" y="6356350"/>
+            <a:ext cx="2133600" cy="365125"/>
           </a:xfrm>
           <a:prstGeom prst="rect">
             <a:avLst/>
@@ -2715,7 +2720,7 @@
           <a:p>
             <a:fld id="{5BCAD085-E8A6-8845-BD4E-CB4CCA059FC4}" type="datetimeFigureOut">
               <a:rPr lang="en-US" smtClean="0"/>
-              <a:t>2/23/25</a:t>
+              <a:t>1/27/13</a:t>
             </a:fld>
             <a:endParaRPr lang="en-US"/>
           </a:p>
@@ -2733,8 +2738,8 @@
         </p:nvSpPr>
         <p:spPr>
           <a:xfrm>
-            <a:off x="4165600" y="6356351"/>
-            <a:ext cx="3860800" cy="365125"/>
+            <a:off x="3124200" y="6356350"/>
+            <a:ext cx="2895600" cy="365125"/>
           </a:xfrm>
           <a:prstGeom prst="rect">
             <a:avLst/>
@@ -2770,8 +2775,8 @@
         </p:nvSpPr>
         <p:spPr>
           <a:xfrm>
-            <a:off x="8737600" y="6356351"/>
-            <a:ext cx="2844800" cy="365125"/>
+            <a:off x="6553200" y="6356350"/>
+            <a:ext cx="2133600" cy="365125"/>
           </a:xfrm>
           <a:prstGeom prst="rect">
             <a:avLst/>
@@ -3074,7 +3079,7 @@
 </file>
 
 <file path=ppt/slides/slide1.xml><?xml version="1.0" encoding="utf-8"?>
-<p:sld xmlns:a="http://schemas.openxmlformats.org/drawingml/2006/main" xmlns:r="http://schemas.openxmlformats.org/officeDocument/2006/relationships" xmlns:p="http://schemas.openxmlformats.org/presentationml/2006/main">
+<p:sld xmlns:a="http://schemas.openxmlformats.org/drawingml/2006/main" xmlns:p="http://schemas.openxmlformats.org/presentationml/2006/main" xmlns:r="http://schemas.openxmlformats.org/officeDocument/2006/relationships">
   <p:cSld>
     <p:spTree>
       <p:nvGrpSpPr>
@@ -3082,14 +3087,24 @@
         <p:cNvGrpSpPr/>
         <p:nvPr/>
       </p:nvGrpSpPr>
-      <p:grpSpPr>
-        <a:xfrm>
-          <a:off x="0" y="0"/>
-          <a:ext cx="0" cy="0"/>
-          <a:chOff x="0" y="0"/>
-          <a:chExt cx="0" cy="0"/>
-        </a:xfrm>
-      </p:grpSpPr>
+      <p:grpSpPr/>
+      <p:sp>
+        <p:nvSpPr>
+          <p:cNvPr id="2" name="Title 1"/>
+          <p:cNvSpPr>
+            <a:spLocks noGrp="1"/>
+          </p:cNvSpPr>
+          <p:nvPr>
+            <p:ph type="title"/>
+          </p:nvPr>
+        </p:nvSpPr>
+        <p:spPr/>
+        <p:txBody>
+          <a:bodyPr/>
+          <a:lstStyle/>
+          <a:p/>
+        </p:txBody>
+      </p:sp>
       <p:sp>
         <p:nvSpPr>
           <p:cNvPr id="3" name="Rectangle 2"/>
@@ -3098,8 +3113,8 @@
         </p:nvSpPr>
         <p:spPr>
           <a:xfrm>
-            <a:off x="523000" y="63593"/>
-            <a:ext cx="2052285" cy="640080"/>
+            <a:off x="3657600" y="457200"/>
+            <a:ext cx="1828800" cy="640080"/>
           </a:xfrm>
           <a:prstGeom prst="rect">
             <a:avLst/>
@@ -3131,20 +3146,10 @@
           <a:bodyPr rtlCol="0" anchor="ctr"/>
           <a:lstStyle/>
           <a:p>
-            <a:pPr algn="ctr"/>
-            <a:r>
-              <a:rPr sz="1600" dirty="0" err="1">
-                <a:solidFill>
-                  <a:schemeClr val="tx1"/>
-                </a:solidFill>
-              </a:rPr>
+            <a:r>
+              <a:rPr sz="1600"/>
               <a:t>한국기술교육대학교</a:t>
             </a:r>
-            <a:endParaRPr sz="1600" dirty="0">
-              <a:solidFill>
-                <a:schemeClr val="tx1"/>
-              </a:solidFill>
-            </a:endParaRPr>
           </a:p>
         </p:txBody>
       </p:sp>
@@ -3156,8 +3161,8 @@
         </p:nvSpPr>
         <p:spPr>
           <a:xfrm>
-            <a:off x="2883759" y="3525261"/>
-            <a:ext cx="2162042" cy="640080"/>
+            <a:off x="-261257" y="1371600"/>
+            <a:ext cx="1828800" cy="640080"/>
           </a:xfrm>
           <a:prstGeom prst="rect">
             <a:avLst/>
@@ -3189,20 +3194,10 @@
           <a:bodyPr rtlCol="0" anchor="ctr"/>
           <a:lstStyle/>
           <a:p>
-            <a:pPr algn="ctr"/>
-            <a:r>
-              <a:rPr sz="1400" dirty="0" err="1">
-                <a:solidFill>
-                  <a:schemeClr val="tx1"/>
-                </a:solidFill>
-              </a:rPr>
+            <a:r>
+              <a:rPr sz="1400"/>
               <a:t>기계공학부</a:t>
             </a:r>
-            <a:endParaRPr sz="1400" dirty="0">
-              <a:solidFill>
-                <a:schemeClr val="tx1"/>
-              </a:solidFill>
-            </a:endParaRPr>
           </a:p>
         </p:txBody>
       </p:sp>
@@ -3214,8 +3209,8 @@
         </p:nvSpPr>
         <p:spPr>
           <a:xfrm>
-            <a:off x="598802" y="3525261"/>
-            <a:ext cx="2162042" cy="640080"/>
+            <a:off x="1306285" y="1371600"/>
+            <a:ext cx="1828800" cy="640080"/>
           </a:xfrm>
           <a:prstGeom prst="rect">
             <a:avLst/>
@@ -3247,13 +3242,8 @@
           <a:bodyPr rtlCol="0" anchor="ctr"/>
           <a:lstStyle/>
           <a:p>
-            <a:pPr algn="ctr"/>
-            <a:r>
-              <a:rPr sz="1400">
-                <a:solidFill>
-                  <a:schemeClr val="tx1"/>
-                </a:solidFill>
-              </a:rPr>
+            <a:r>
+              <a:rPr sz="1400"/>
               <a:t>메카트로닉스공학부</a:t>
             </a:r>
           </a:p>
@@ -3267,8 +3257,8 @@
         </p:nvSpPr>
         <p:spPr>
           <a:xfrm>
-            <a:off x="2878796" y="1794427"/>
-            <a:ext cx="2162042" cy="640080"/>
+            <a:off x="2873828" y="1371600"/>
+            <a:ext cx="1828800" cy="640080"/>
           </a:xfrm>
           <a:prstGeom prst="rect">
             <a:avLst/>
@@ -3300,20 +3290,10 @@
           <a:bodyPr rtlCol="0" anchor="ctr"/>
           <a:lstStyle/>
           <a:p>
-            <a:pPr algn="ctr"/>
-            <a:r>
-              <a:rPr sz="1400" dirty="0" err="1">
-                <a:solidFill>
-                  <a:schemeClr val="tx1"/>
-                </a:solidFill>
-              </a:rPr>
+            <a:r>
+              <a:rPr sz="1400"/>
               <a:t>전기·전자·통신공학부</a:t>
             </a:r>
-            <a:endParaRPr sz="1400" dirty="0">
-              <a:solidFill>
-                <a:schemeClr val="tx1"/>
-              </a:solidFill>
-            </a:endParaRPr>
           </a:p>
         </p:txBody>
       </p:sp>
@@ -3325,8 +3305,8 @@
         </p:nvSpPr>
         <p:spPr>
           <a:xfrm>
-            <a:off x="2878797" y="63593"/>
-            <a:ext cx="2162042" cy="640080"/>
+            <a:off x="4441371" y="1371600"/>
+            <a:ext cx="1828800" cy="640080"/>
           </a:xfrm>
           <a:prstGeom prst="rect">
             <a:avLst/>
@@ -3358,13 +3338,8 @@
           <a:bodyPr rtlCol="0" anchor="ctr"/>
           <a:lstStyle/>
           <a:p>
-            <a:pPr algn="ctr"/>
-            <a:r>
-              <a:rPr sz="1400">
-                <a:solidFill>
-                  <a:schemeClr val="tx1"/>
-                </a:solidFill>
-              </a:rPr>
+            <a:r>
+              <a:rPr sz="1400"/>
               <a:t>컴퓨터공학부</a:t>
             </a:r>
           </a:p>
@@ -3378,8 +3353,8 @@
         </p:nvSpPr>
         <p:spPr>
           <a:xfrm>
-            <a:off x="2878796" y="5256095"/>
-            <a:ext cx="2162042" cy="640080"/>
+            <a:off x="6008914" y="1371600"/>
+            <a:ext cx="1828800" cy="640080"/>
           </a:xfrm>
           <a:prstGeom prst="rect">
             <a:avLst/>
@@ -3411,13 +3386,8 @@
           <a:bodyPr rtlCol="0" anchor="ctr"/>
           <a:lstStyle/>
           <a:p>
-            <a:pPr algn="ctr"/>
-            <a:r>
-              <a:rPr sz="1400">
-                <a:solidFill>
-                  <a:schemeClr val="tx1"/>
-                </a:solidFill>
-              </a:rPr>
+            <a:r>
+              <a:rPr sz="1400"/>
               <a:t>디자인·건축공학부</a:t>
             </a:r>
           </a:p>
@@ -3431,8 +3401,8 @@
         </p:nvSpPr>
         <p:spPr>
           <a:xfrm>
-            <a:off x="2878796" y="6121510"/>
-            <a:ext cx="2162042" cy="640080"/>
+            <a:off x="7576457" y="1371600"/>
+            <a:ext cx="1828800" cy="640080"/>
           </a:xfrm>
           <a:prstGeom prst="rect">
             <a:avLst/>
@@ -3464,20 +3434,10 @@
           <a:bodyPr rtlCol="0" anchor="ctr"/>
           <a:lstStyle/>
           <a:p>
-            <a:pPr algn="ctr"/>
-            <a:r>
-              <a:rPr sz="1400" dirty="0" err="1">
-                <a:solidFill>
-                  <a:schemeClr val="tx1"/>
-                </a:solidFill>
-              </a:rPr>
+            <a:r>
+              <a:rPr sz="1400"/>
               <a:t>에너지신소재화학공학부</a:t>
             </a:r>
-            <a:endParaRPr sz="1400" dirty="0">
-              <a:solidFill>
-                <a:schemeClr val="tx1"/>
-              </a:solidFill>
-            </a:endParaRPr>
           </a:p>
         </p:txBody>
       </p:sp>
@@ -3489,8 +3449,8 @@
         </p:nvSpPr>
         <p:spPr>
           <a:xfrm>
-            <a:off x="2878796" y="2659844"/>
-            <a:ext cx="2162042" cy="640080"/>
+            <a:off x="0" y="2286000"/>
+            <a:ext cx="1828800" cy="640080"/>
           </a:xfrm>
           <a:prstGeom prst="rect">
             <a:avLst/>
@@ -3522,13 +3482,8 @@
           <a:bodyPr rtlCol="0" anchor="ctr"/>
           <a:lstStyle/>
           <a:p>
-            <a:pPr algn="ctr"/>
-            <a:r>
-              <a:rPr sz="1400">
-                <a:solidFill>
-                  <a:schemeClr val="tx1"/>
-                </a:solidFill>
-              </a:rPr>
+            <a:r>
+              <a:rPr sz="1400"/>
               <a:t>산업경영학부</a:t>
             </a:r>
           </a:p>
@@ -3542,8 +3497,8 @@
         </p:nvSpPr>
         <p:spPr>
           <a:xfrm>
-            <a:off x="598802" y="5256095"/>
-            <a:ext cx="2162042" cy="640080"/>
+            <a:off x="1828800" y="2286000"/>
+            <a:ext cx="1828800" cy="640080"/>
           </a:xfrm>
           <a:prstGeom prst="rect">
             <a:avLst/>
@@ -3575,20 +3530,10 @@
           <a:bodyPr rtlCol="0" anchor="ctr"/>
           <a:lstStyle/>
           <a:p>
-            <a:pPr algn="ctr"/>
-            <a:r>
-              <a:rPr sz="1400" dirty="0" err="1">
-                <a:solidFill>
-                  <a:schemeClr val="tx1"/>
-                </a:solidFill>
-              </a:rPr>
+            <a:r>
+              <a:rPr sz="1400"/>
               <a:t>고용서비스정책학과</a:t>
             </a:r>
-            <a:endParaRPr sz="1400" dirty="0">
-              <a:solidFill>
-                <a:schemeClr val="tx1"/>
-              </a:solidFill>
-            </a:endParaRPr>
           </a:p>
         </p:txBody>
       </p:sp>
@@ -3600,8 +3545,8 @@
         </p:nvSpPr>
         <p:spPr>
           <a:xfrm>
-            <a:off x="2878796" y="4390678"/>
-            <a:ext cx="2162042" cy="640080"/>
+            <a:off x="3657600" y="2286000"/>
+            <a:ext cx="1828800" cy="640080"/>
           </a:xfrm>
           <a:prstGeom prst="rect">
             <a:avLst/>
@@ -3633,13 +3578,8 @@
           <a:bodyPr rtlCol="0" anchor="ctr"/>
           <a:lstStyle/>
           <a:p>
-            <a:pPr algn="ctr"/>
-            <a:r>
-              <a:rPr sz="1400">
-                <a:solidFill>
-                  <a:schemeClr val="tx1"/>
-                </a:solidFill>
-              </a:rPr>
+            <a:r>
+              <a:rPr sz="1400"/>
               <a:t>교양학부</a:t>
             </a:r>
           </a:p>
@@ -3653,8 +3593,8 @@
         </p:nvSpPr>
         <p:spPr>
           <a:xfrm>
-            <a:off x="598802" y="6121510"/>
-            <a:ext cx="2162042" cy="640080"/>
+            <a:off x="5486400" y="2286000"/>
+            <a:ext cx="1828800" cy="640080"/>
           </a:xfrm>
           <a:prstGeom prst="rect">
             <a:avLst/>
@@ -3686,13 +3626,8 @@
           <a:bodyPr rtlCol="0" anchor="ctr"/>
           <a:lstStyle/>
           <a:p>
-            <a:pPr algn="ctr"/>
-            <a:r>
-              <a:rPr sz="1400">
-                <a:solidFill>
-                  <a:schemeClr val="tx1"/>
-                </a:solidFill>
-              </a:rPr>
+            <a:r>
+              <a:rPr sz="1400"/>
               <a:t>HRD학과</a:t>
             </a:r>
           </a:p>
@@ -3706,8 +3641,8 @@
         </p:nvSpPr>
         <p:spPr>
           <a:xfrm>
-            <a:off x="2878797" y="929010"/>
-            <a:ext cx="2162042" cy="640080"/>
+            <a:off x="7315200" y="2286000"/>
+            <a:ext cx="1828800" cy="640080"/>
           </a:xfrm>
           <a:prstGeom prst="rect">
             <a:avLst/>
@@ -3739,13 +3674,8 @@
           <a:bodyPr rtlCol="0" anchor="ctr"/>
           <a:lstStyle/>
           <a:p>
-            <a:pPr algn="ctr"/>
-            <a:r>
-              <a:rPr sz="1400">
-                <a:solidFill>
-                  <a:schemeClr val="tx1"/>
-                </a:solidFill>
-              </a:rPr>
+            <a:r>
+              <a:rPr sz="1400"/>
               <a:t>융합학과</a:t>
             </a:r>
           </a:p>
@@ -3759,8 +3689,8 @@
         </p:nvSpPr>
         <p:spPr>
           <a:xfrm>
-            <a:off x="5158790" y="5256095"/>
-            <a:ext cx="1164691" cy="640080"/>
+            <a:off x="6008914" y="2468880"/>
+            <a:ext cx="822960" cy="640080"/>
           </a:xfrm>
           <a:prstGeom prst="rect">
             <a:avLst/>
@@ -3792,35 +3722,10 @@
           <a:bodyPr rtlCol="0" anchor="ctr"/>
           <a:lstStyle/>
           <a:p>
-            <a:pPr algn="ctr"/>
-            <a:r>
-              <a:rPr sz="1200" dirty="0" err="1">
-                <a:solidFill>
-                  <a:schemeClr val="tx1"/>
-                </a:solidFill>
-              </a:rPr>
-              <a:t>디자인공학</a:t>
-            </a:r>
-            <a:br>
-              <a:rPr lang="en-US" sz="1200" dirty="0">
-                <a:solidFill>
-                  <a:schemeClr val="tx1"/>
-                </a:solidFill>
-              </a:rPr>
-            </a:br>
-            <a:r>
-              <a:rPr sz="1200" dirty="0" err="1">
-                <a:solidFill>
-                  <a:schemeClr val="tx1"/>
-                </a:solidFill>
-              </a:rPr>
-              <a:t>전공</a:t>
-            </a:r>
-            <a:endParaRPr sz="1200" dirty="0">
-              <a:solidFill>
-                <a:schemeClr val="tx1"/>
-              </a:solidFill>
-            </a:endParaRPr>
+            <a:r>
+              <a:rPr sz="1200"/>
+              <a:t>디자인공학전공</a:t>
+            </a:r>
           </a:p>
         </p:txBody>
       </p:sp>
@@ -3832,8 +3737,8 @@
         </p:nvSpPr>
         <p:spPr>
           <a:xfrm>
-            <a:off x="6436950" y="5256095"/>
-            <a:ext cx="1164691" cy="640080"/>
+            <a:off x="7014754" y="2468880"/>
+            <a:ext cx="822960" cy="640080"/>
           </a:xfrm>
           <a:prstGeom prst="rect">
             <a:avLst/>
@@ -3865,35 +3770,10 @@
           <a:bodyPr rtlCol="0" anchor="ctr"/>
           <a:lstStyle/>
           <a:p>
-            <a:pPr algn="ctr"/>
-            <a:r>
-              <a:rPr sz="1200" dirty="0" err="1">
-                <a:solidFill>
-                  <a:schemeClr val="tx1"/>
-                </a:solidFill>
-              </a:rPr>
-              <a:t>건축공학</a:t>
-            </a:r>
-            <a:br>
-              <a:rPr lang="en-US" sz="1200" dirty="0">
-                <a:solidFill>
-                  <a:schemeClr val="tx1"/>
-                </a:solidFill>
-              </a:rPr>
-            </a:br>
-            <a:r>
-              <a:rPr sz="1200" dirty="0" err="1">
-                <a:solidFill>
-                  <a:schemeClr val="tx1"/>
-                </a:solidFill>
-              </a:rPr>
-              <a:t>전공</a:t>
-            </a:r>
-            <a:endParaRPr sz="1200" dirty="0">
-              <a:solidFill>
-                <a:schemeClr val="tx1"/>
-              </a:solidFill>
-            </a:endParaRPr>
+            <a:r>
+              <a:rPr sz="1200"/>
+              <a:t>건축공학전공</a:t>
+            </a:r>
           </a:p>
         </p:txBody>
       </p:sp>
@@ -3905,8 +3785,8 @@
         </p:nvSpPr>
         <p:spPr>
           <a:xfrm>
-            <a:off x="5158790" y="6121510"/>
-            <a:ext cx="1164691" cy="640080"/>
+            <a:off x="7576457" y="2468880"/>
+            <a:ext cx="822960" cy="640080"/>
           </a:xfrm>
           <a:prstGeom prst="rect">
             <a:avLst/>
@@ -3938,20 +3818,10 @@
           <a:bodyPr rtlCol="0" anchor="ctr"/>
           <a:lstStyle/>
           <a:p>
-            <a:pPr algn="ctr"/>
-            <a:r>
-              <a:rPr sz="1200" dirty="0" err="1">
-                <a:solidFill>
-                  <a:schemeClr val="tx1"/>
-                </a:solidFill>
-              </a:rPr>
+            <a:r>
+              <a:rPr sz="1200"/>
               <a:t>에너지신소재공학전공</a:t>
             </a:r>
-            <a:endParaRPr sz="1200" dirty="0">
-              <a:solidFill>
-                <a:schemeClr val="tx1"/>
-              </a:solidFill>
-            </a:endParaRPr>
           </a:p>
         </p:txBody>
       </p:sp>
@@ -3963,8 +3833,8 @@
         </p:nvSpPr>
         <p:spPr>
           <a:xfrm>
-            <a:off x="6436950" y="6121510"/>
-            <a:ext cx="1164691" cy="640080"/>
+            <a:off x="8582297" y="2468880"/>
+            <a:ext cx="822960" cy="640080"/>
           </a:xfrm>
           <a:prstGeom prst="rect">
             <a:avLst/>
@@ -3996,20 +3866,10 @@
           <a:bodyPr rtlCol="0" anchor="ctr"/>
           <a:lstStyle/>
           <a:p>
-            <a:pPr algn="ctr"/>
-            <a:r>
-              <a:rPr sz="1200" dirty="0" err="1">
-                <a:solidFill>
-                  <a:schemeClr val="tx1"/>
-                </a:solidFill>
-              </a:rPr>
+            <a:r>
+              <a:rPr sz="1200"/>
               <a:t>화학생명공학전공</a:t>
             </a:r>
-            <a:endParaRPr sz="1200" dirty="0">
-              <a:solidFill>
-                <a:schemeClr val="tx1"/>
-              </a:solidFill>
-            </a:endParaRPr>
           </a:p>
         </p:txBody>
       </p:sp>
